--- a/Columnstore/Columnstore.pptx
+++ b/Columnstore/Columnstore.pptx
@@ -346,30 +346,6 @@
           </a:p>
         </p:txBody>
       </p:sp>
-      <p:pic>
-        <p:nvPicPr>
-          <p:cNvPr id="6" name="Picture 5"/>
-          <p:cNvPicPr>
-            <a:picLocks noChangeAspect="1"/>
-          </p:cNvPicPr>
-          <p:nvPr userDrawn="1"/>
-        </p:nvPicPr>
-        <p:blipFill>
-          <a:blip r:embed="rId3"/>
-          <a:stretch>
-            <a:fillRect/>
-          </a:stretch>
-        </p:blipFill>
-        <p:spPr>
-          <a:xfrm>
-            <a:off x="8673244" y="3060087"/>
-            <a:ext cx="2486881" cy="360000"/>
-          </a:xfrm>
-          <a:prstGeom prst="rect">
-            <a:avLst/>
-          </a:prstGeom>
-        </p:spPr>
-      </p:pic>
     </p:spTree>
     <p:extLst>
       <p:ext uri="{BB962C8B-B14F-4D97-AF65-F5344CB8AC3E}">
@@ -879,7 +855,7 @@
           <a:graphicData uri="http://schemas.openxmlformats.org/presentationml/2006/ole">
             <mc:AlternateContent xmlns:mc="http://schemas.openxmlformats.org/markup-compatibility/2006">
               <mc:Choice xmlns:v="urn:schemas-microsoft-com:vml" Requires="v">
-                <p:oleObj spid="_x0000_s1123" name="Image" r:id="rId7" imgW="2279520" imgH="1310400" progId="Photoshop.Image.18">
+                <p:oleObj spid="_x0000_s1128" name="Image" r:id="rId7" imgW="2279520" imgH="1310400" progId="Photoshop.Image.18">
                   <p:embed/>
                 </p:oleObj>
               </mc:Choice>
@@ -1372,20 +1348,20 @@
         </p:nvSpPr>
         <p:spPr>
           <a:xfrm>
-            <a:off x="2279996" y="2996634"/>
-            <a:ext cx="6815584" cy="461665"/>
+            <a:off x="0" y="2996634"/>
+            <a:ext cx="11520488" cy="461665"/>
           </a:xfrm>
           <a:prstGeom prst="rect">
             <a:avLst/>
           </a:prstGeom>
         </p:spPr>
         <p:txBody>
-          <a:bodyPr wrap="none">
+          <a:bodyPr wrap="square">
             <a:spAutoFit/>
           </a:bodyPr>
           <a:lstStyle/>
           <a:p>
-            <a:pPr defTabSz="914400"/>
+            <a:pPr algn="ctr" defTabSz="914400"/>
             <a:r>
               <a:rPr lang="en-US" sz="2400" dirty="0">
                 <a:solidFill>
@@ -1393,7 +1369,7 @@
                 </a:solidFill>
                 <a:latin typeface="Calibri"/>
               </a:rPr>
-              <a:t>https://github.com/sergiisyrovatchenko/SQLSaturday</a:t>
+              <a:t>github.com/sergiisyrovatchenko/SQLSaturday</a:t>
             </a:r>
           </a:p>
         </p:txBody>
@@ -1617,7 +1593,7 @@
                 </a:solidFill>
                 <a:latin typeface="Calibri"/>
               </a:rPr>
-              <a:t>Syrovatchenko Sergey</a:t>
+              <a:t>Sergii Syrovatchenko</a:t>
             </a:r>
           </a:p>
           <a:p>
@@ -1629,16 +1605,7 @@
                 </a:solidFill>
                 <a:latin typeface="Calibri"/>
               </a:rPr>
-              <a:t>SQL Server DBA, </a:t>
-            </a:r>
-            <a:r>
-              <a:rPr lang="en-US" sz="2800" dirty="0" err="1">
-                <a:solidFill>
-                  <a:prstClr val="black"/>
-                </a:solidFill>
-                <a:latin typeface="Calibri"/>
-              </a:rPr>
-              <a:t>CloudWorks</a:t>
+              <a:t>SQL Server DBA, DraftKings, Inc.</a:t>
             </a:r>
             <a:endParaRPr lang="en-US" sz="1200" b="1" dirty="0">
               <a:solidFill>
@@ -1656,23 +1623,8 @@
                 </a:solidFill>
                 <a:latin typeface="Calibri"/>
               </a:rPr>
-              <a:t>github.com/</a:t>
+              <a:t>github.com/sergiisyrovatchenko</a:t>
             </a:r>
-            <a:r>
-              <a:rPr lang="en-US" sz="2800" dirty="0" err="1">
-                <a:solidFill>
-                  <a:prstClr val="black"/>
-                </a:solidFill>
-                <a:latin typeface="Calibri"/>
-              </a:rPr>
-              <a:t>sergiisyrovatchenko</a:t>
-            </a:r>
-            <a:endParaRPr lang="en-US" sz="2800" dirty="0">
-              <a:solidFill>
-                <a:prstClr val="black"/>
-              </a:solidFill>
-              <a:latin typeface="Calibri"/>
-            </a:endParaRPr>
           </a:p>
           <a:p>
             <a:pPr defTabSz="914400"/>
